--- a/write-up/figs/draws.pptx
+++ b/write-up/figs/draws.pptx
@@ -3033,354 +3033,369 @@
           <a:chExt cx="0" cy="0"/>
         </a:xfrm>
       </p:grpSpPr>
-      <p:sp>
-        <p:nvSpPr>
-          <p:cNvPr id="2" name="TextBox 1"/>
-          <p:cNvSpPr txBox="1"/>
+      <p:grpSp>
+        <p:nvGrpSpPr>
+          <p:cNvPr id="899" name="Group 898"/>
+          <p:cNvGrpSpPr/>
           <p:nvPr/>
-        </p:nvSpPr>
-        <p:spPr>
+        </p:nvGrpSpPr>
+        <p:grpSpPr>
           <a:xfrm>
-            <a:off x="3987800" y="1778000"/>
-            <a:ext cx="470000" cy="369332"/>
+            <a:off x="2819400" y="1589049"/>
+            <a:ext cx="3570736" cy="2895083"/>
+            <a:chOff x="2819400" y="1589049"/>
+            <a:chExt cx="3570736" cy="2895083"/>
           </a:xfrm>
-          <a:prstGeom prst="rect">
-            <a:avLst/>
-          </a:prstGeom>
-          <a:noFill/>
-        </p:spPr>
-        <p:txBody>
-          <a:bodyPr wrap="none" rtlCol="0">
-            <a:spAutoFit/>
-          </a:bodyPr>
-          <a:lstStyle/>
-          <a:p>
-            <a:r>
-              <a:rPr lang="en-US" dirty="0" err="1" smtClean="0"/>
-              <a:t>dia</a:t>
-            </a:r>
-            <a:endParaRPr lang="en-US" dirty="0"/>
-          </a:p>
-        </p:txBody>
-      </p:sp>
-      <p:sp>
-        <p:nvSpPr>
-          <p:cNvPr id="3" name="TextBox 2"/>
-          <p:cNvSpPr txBox="1"/>
-          <p:nvPr/>
-        </p:nvSpPr>
-        <p:spPr>
-          <a:xfrm>
-            <a:off x="2819400" y="2857500"/>
-            <a:ext cx="359394" cy="369332"/>
-          </a:xfrm>
-          <a:prstGeom prst="rect">
-            <a:avLst/>
-          </a:prstGeom>
-          <a:noFill/>
-        </p:spPr>
-        <p:txBody>
-          <a:bodyPr wrap="none" rtlCol="0">
-            <a:spAutoFit/>
-          </a:bodyPr>
-          <a:lstStyle/>
-          <a:p>
-            <a:r>
-              <a:rPr lang="en-US" dirty="0" smtClean="0"/>
-              <a:t>id</a:t>
-            </a:r>
-            <a:endParaRPr lang="en-US" dirty="0"/>
-          </a:p>
-        </p:txBody>
-      </p:sp>
-      <p:sp>
-        <p:nvSpPr>
-          <p:cNvPr id="4" name="TextBox 3"/>
-          <p:cNvSpPr txBox="1"/>
-          <p:nvPr/>
-        </p:nvSpPr>
-        <p:spPr>
-          <a:xfrm>
-            <a:off x="5901156" y="2857500"/>
-            <a:ext cx="488980" cy="369332"/>
-          </a:xfrm>
-          <a:prstGeom prst="rect">
-            <a:avLst/>
-          </a:prstGeom>
-          <a:noFill/>
-        </p:spPr>
-        <p:txBody>
-          <a:bodyPr wrap="none" rtlCol="0">
-            <a:spAutoFit/>
-          </a:bodyPr>
-          <a:lstStyle/>
-          <a:p>
-            <a:r>
-              <a:rPr lang="en-US" dirty="0" err="1" smtClean="0"/>
-              <a:t>hgt</a:t>
-            </a:r>
-            <a:endParaRPr lang="en-US" dirty="0"/>
-          </a:p>
-        </p:txBody>
-      </p:sp>
-      <p:sp>
-        <p:nvSpPr>
-          <p:cNvPr id="5" name="TextBox 4"/>
-          <p:cNvSpPr txBox="1"/>
-          <p:nvPr/>
-        </p:nvSpPr>
-        <p:spPr>
-          <a:xfrm>
-            <a:off x="5636628" y="1589049"/>
-            <a:ext cx="529056" cy="369332"/>
-          </a:xfrm>
-          <a:prstGeom prst="rect">
-            <a:avLst/>
-          </a:prstGeom>
-          <a:noFill/>
-        </p:spPr>
-        <p:txBody>
-          <a:bodyPr wrap="none" rtlCol="0">
-            <a:spAutoFit/>
-          </a:bodyPr>
-          <a:lstStyle/>
-          <a:p>
-            <a:r>
-              <a:rPr lang="en-US" dirty="0" smtClean="0"/>
-              <a:t>gen</a:t>
-            </a:r>
-            <a:endParaRPr lang="en-US" dirty="0"/>
-          </a:p>
-        </p:txBody>
-      </p:sp>
-      <p:sp>
-        <p:nvSpPr>
-          <p:cNvPr id="6" name="TextBox 5"/>
-          <p:cNvSpPr txBox="1"/>
-          <p:nvPr/>
-        </p:nvSpPr>
-        <p:spPr>
-          <a:xfrm>
-            <a:off x="4238780" y="4114800"/>
-            <a:ext cx="517834" cy="369332"/>
-          </a:xfrm>
-          <a:prstGeom prst="rect">
-            <a:avLst/>
-          </a:prstGeom>
-          <a:noFill/>
-        </p:spPr>
-        <p:txBody>
-          <a:bodyPr wrap="none" rtlCol="0">
-            <a:spAutoFit/>
-          </a:bodyPr>
-          <a:lstStyle/>
-          <a:p>
-            <a:r>
-              <a:rPr lang="en-US" dirty="0" smtClean="0"/>
-              <a:t>age</a:t>
-            </a:r>
-            <a:endParaRPr lang="en-US" dirty="0"/>
-          </a:p>
-        </p:txBody>
-      </p:sp>
-      <p:cxnSp>
-        <p:nvCxnSpPr>
-          <p:cNvPr id="8" name="Straight Connector 7"/>
-          <p:cNvCxnSpPr>
-            <a:stCxn id="3" idx="3"/>
-            <a:endCxn id="4" idx="1"/>
-          </p:cNvCxnSpPr>
-          <p:nvPr/>
-        </p:nvCxnSpPr>
-        <p:spPr>
-          <a:xfrm>
-            <a:off x="3178794" y="3042166"/>
-            <a:ext cx="2722362" cy="0"/>
-          </a:xfrm>
-          <a:prstGeom prst="line">
-            <a:avLst/>
-          </a:prstGeom>
-        </p:spPr>
-        <p:style>
-          <a:lnRef idx="1">
-            <a:schemeClr val="accent1"/>
-          </a:lnRef>
-          <a:fillRef idx="0">
-            <a:schemeClr val="accent1"/>
-          </a:fillRef>
-          <a:effectRef idx="0">
-            <a:schemeClr val="accent1"/>
-          </a:effectRef>
-          <a:fontRef idx="minor">
-            <a:schemeClr val="tx1"/>
-          </a:fontRef>
-        </p:style>
-      </p:cxnSp>
-      <p:cxnSp>
-        <p:nvCxnSpPr>
-          <p:cNvPr id="9" name="Straight Connector 8"/>
-          <p:cNvCxnSpPr>
-            <a:stCxn id="3" idx="3"/>
-            <a:endCxn id="2" idx="2"/>
-          </p:cNvCxnSpPr>
-          <p:nvPr/>
-        </p:nvCxnSpPr>
-        <p:spPr>
-          <a:xfrm flipV="1">
-            <a:off x="3178794" y="2147332"/>
-            <a:ext cx="1044006" cy="894834"/>
-          </a:xfrm>
-          <a:prstGeom prst="line">
-            <a:avLst/>
-          </a:prstGeom>
-        </p:spPr>
-        <p:style>
-          <a:lnRef idx="1">
-            <a:schemeClr val="accent1"/>
-          </a:lnRef>
-          <a:fillRef idx="0">
-            <a:schemeClr val="accent1"/>
-          </a:fillRef>
-          <a:effectRef idx="0">
-            <a:schemeClr val="accent1"/>
-          </a:effectRef>
-          <a:fontRef idx="minor">
-            <a:schemeClr val="tx1"/>
-          </a:fontRef>
-        </p:style>
-      </p:cxnSp>
-      <p:cxnSp>
-        <p:nvCxnSpPr>
-          <p:cNvPr id="12" name="Straight Connector 11"/>
-          <p:cNvCxnSpPr>
-            <a:stCxn id="2" idx="2"/>
-            <a:endCxn id="4" idx="1"/>
-          </p:cNvCxnSpPr>
-          <p:nvPr/>
-        </p:nvCxnSpPr>
-        <p:spPr>
-          <a:xfrm>
-            <a:off x="4222800" y="2147332"/>
-            <a:ext cx="1678356" cy="894834"/>
-          </a:xfrm>
-          <a:prstGeom prst="line">
-            <a:avLst/>
-          </a:prstGeom>
-        </p:spPr>
-        <p:style>
-          <a:lnRef idx="1">
-            <a:schemeClr val="accent1"/>
-          </a:lnRef>
-          <a:fillRef idx="0">
-            <a:schemeClr val="accent1"/>
-          </a:fillRef>
-          <a:effectRef idx="0">
-            <a:schemeClr val="accent1"/>
-          </a:effectRef>
-          <a:fontRef idx="minor">
-            <a:schemeClr val="tx1"/>
-          </a:fontRef>
-        </p:style>
-      </p:cxnSp>
-      <p:cxnSp>
-        <p:nvCxnSpPr>
-          <p:cNvPr id="883" name="Straight Connector 882"/>
-          <p:cNvCxnSpPr>
-            <a:stCxn id="6" idx="0"/>
-            <a:endCxn id="4" idx="1"/>
-          </p:cNvCxnSpPr>
-          <p:nvPr/>
-        </p:nvCxnSpPr>
-        <p:spPr>
-          <a:xfrm flipV="1">
-            <a:off x="4497697" y="3042166"/>
-            <a:ext cx="1403459" cy="1072634"/>
-          </a:xfrm>
-          <a:prstGeom prst="line">
-            <a:avLst/>
-          </a:prstGeom>
-        </p:spPr>
-        <p:style>
-          <a:lnRef idx="1">
-            <a:schemeClr val="accent1"/>
-          </a:lnRef>
-          <a:fillRef idx="0">
-            <a:schemeClr val="accent1"/>
-          </a:fillRef>
-          <a:effectRef idx="0">
-            <a:schemeClr val="accent1"/>
-          </a:effectRef>
-          <a:fontRef idx="minor">
-            <a:schemeClr val="tx1"/>
-          </a:fontRef>
-        </p:style>
-      </p:cxnSp>
-      <p:cxnSp>
-        <p:nvCxnSpPr>
-          <p:cNvPr id="886" name="Straight Connector 885"/>
-          <p:cNvCxnSpPr>
-            <a:stCxn id="6" idx="0"/>
-            <a:endCxn id="3" idx="3"/>
-          </p:cNvCxnSpPr>
-          <p:nvPr/>
-        </p:nvCxnSpPr>
-        <p:spPr>
-          <a:xfrm flipH="1" flipV="1">
-            <a:off x="3178794" y="3042166"/>
-            <a:ext cx="1318903" cy="1072634"/>
-          </a:xfrm>
-          <a:prstGeom prst="line">
-            <a:avLst/>
-          </a:prstGeom>
-        </p:spPr>
-        <p:style>
-          <a:lnRef idx="1">
-            <a:schemeClr val="accent1"/>
-          </a:lnRef>
-          <a:fillRef idx="0">
-            <a:schemeClr val="accent1"/>
-          </a:fillRef>
-          <a:effectRef idx="0">
-            <a:schemeClr val="accent1"/>
-          </a:effectRef>
-          <a:fontRef idx="minor">
-            <a:schemeClr val="tx1"/>
-          </a:fontRef>
-        </p:style>
-      </p:cxnSp>
-      <p:cxnSp>
-        <p:nvCxnSpPr>
-          <p:cNvPr id="895" name="Straight Connector 894"/>
-          <p:cNvCxnSpPr>
-            <a:stCxn id="5" idx="2"/>
-            <a:endCxn id="4" idx="1"/>
-          </p:cNvCxnSpPr>
-          <p:nvPr/>
-        </p:nvCxnSpPr>
-        <p:spPr>
-          <a:xfrm>
-            <a:off x="5901156" y="1958381"/>
-            <a:ext cx="0" cy="1083785"/>
-          </a:xfrm>
-          <a:prstGeom prst="line">
-            <a:avLst/>
-          </a:prstGeom>
-        </p:spPr>
-        <p:style>
-          <a:lnRef idx="1">
-            <a:schemeClr val="accent1"/>
-          </a:lnRef>
-          <a:fillRef idx="0">
-            <a:schemeClr val="accent1"/>
-          </a:fillRef>
-          <a:effectRef idx="0">
-            <a:schemeClr val="accent1"/>
-          </a:effectRef>
-          <a:fontRef idx="minor">
-            <a:schemeClr val="tx1"/>
-          </a:fontRef>
-        </p:style>
-      </p:cxnSp>
+        </p:grpSpPr>
+        <p:sp>
+          <p:nvSpPr>
+            <p:cNvPr id="2" name="TextBox 1"/>
+            <p:cNvSpPr txBox="1"/>
+            <p:nvPr/>
+          </p:nvSpPr>
+          <p:spPr>
+            <a:xfrm>
+              <a:off x="3987800" y="1778000"/>
+              <a:ext cx="470000" cy="369332"/>
+            </a:xfrm>
+            <a:prstGeom prst="rect">
+              <a:avLst/>
+            </a:prstGeom>
+            <a:noFill/>
+          </p:spPr>
+          <p:txBody>
+            <a:bodyPr wrap="none" rtlCol="0">
+              <a:spAutoFit/>
+            </a:bodyPr>
+            <a:lstStyle/>
+            <a:p>
+              <a:r>
+                <a:rPr lang="en-US" dirty="0" err="1" smtClean="0"/>
+                <a:t>dia</a:t>
+              </a:r>
+              <a:endParaRPr lang="en-US" dirty="0"/>
+            </a:p>
+          </p:txBody>
+        </p:sp>
+        <p:sp>
+          <p:nvSpPr>
+            <p:cNvPr id="3" name="TextBox 2"/>
+            <p:cNvSpPr txBox="1"/>
+            <p:nvPr/>
+          </p:nvSpPr>
+          <p:spPr>
+            <a:xfrm>
+              <a:off x="2819400" y="2857500"/>
+              <a:ext cx="359394" cy="369332"/>
+            </a:xfrm>
+            <a:prstGeom prst="rect">
+              <a:avLst/>
+            </a:prstGeom>
+            <a:noFill/>
+          </p:spPr>
+          <p:txBody>
+            <a:bodyPr wrap="none" rtlCol="0">
+              <a:spAutoFit/>
+            </a:bodyPr>
+            <a:lstStyle/>
+            <a:p>
+              <a:r>
+                <a:rPr lang="en-US" dirty="0" smtClean="0"/>
+                <a:t>id</a:t>
+              </a:r>
+              <a:endParaRPr lang="en-US" dirty="0"/>
+            </a:p>
+          </p:txBody>
+        </p:sp>
+        <p:sp>
+          <p:nvSpPr>
+            <p:cNvPr id="4" name="TextBox 3"/>
+            <p:cNvSpPr txBox="1"/>
+            <p:nvPr/>
+          </p:nvSpPr>
+          <p:spPr>
+            <a:xfrm>
+              <a:off x="5901156" y="2857500"/>
+              <a:ext cx="488980" cy="369332"/>
+            </a:xfrm>
+            <a:prstGeom prst="rect">
+              <a:avLst/>
+            </a:prstGeom>
+            <a:noFill/>
+          </p:spPr>
+          <p:txBody>
+            <a:bodyPr wrap="none" rtlCol="0">
+              <a:spAutoFit/>
+            </a:bodyPr>
+            <a:lstStyle/>
+            <a:p>
+              <a:r>
+                <a:rPr lang="en-US" dirty="0" err="1" smtClean="0"/>
+                <a:t>hgt</a:t>
+              </a:r>
+              <a:endParaRPr lang="en-US" dirty="0"/>
+            </a:p>
+          </p:txBody>
+        </p:sp>
+        <p:sp>
+          <p:nvSpPr>
+            <p:cNvPr id="5" name="TextBox 4"/>
+            <p:cNvSpPr txBox="1"/>
+            <p:nvPr/>
+          </p:nvSpPr>
+          <p:spPr>
+            <a:xfrm>
+              <a:off x="5636628" y="1589049"/>
+              <a:ext cx="529056" cy="369332"/>
+            </a:xfrm>
+            <a:prstGeom prst="rect">
+              <a:avLst/>
+            </a:prstGeom>
+            <a:noFill/>
+          </p:spPr>
+          <p:txBody>
+            <a:bodyPr wrap="none" rtlCol="0">
+              <a:spAutoFit/>
+            </a:bodyPr>
+            <a:lstStyle/>
+            <a:p>
+              <a:r>
+                <a:rPr lang="en-US" dirty="0" smtClean="0"/>
+                <a:t>gen</a:t>
+              </a:r>
+              <a:endParaRPr lang="en-US" dirty="0"/>
+            </a:p>
+          </p:txBody>
+        </p:sp>
+        <p:sp>
+          <p:nvSpPr>
+            <p:cNvPr id="6" name="TextBox 5"/>
+            <p:cNvSpPr txBox="1"/>
+            <p:nvPr/>
+          </p:nvSpPr>
+          <p:spPr>
+            <a:xfrm>
+              <a:off x="4238780" y="4114800"/>
+              <a:ext cx="517834" cy="369332"/>
+            </a:xfrm>
+            <a:prstGeom prst="rect">
+              <a:avLst/>
+            </a:prstGeom>
+            <a:noFill/>
+          </p:spPr>
+          <p:txBody>
+            <a:bodyPr wrap="none" rtlCol="0">
+              <a:spAutoFit/>
+            </a:bodyPr>
+            <a:lstStyle/>
+            <a:p>
+              <a:r>
+                <a:rPr lang="en-US" dirty="0" smtClean="0"/>
+                <a:t>age</a:t>
+              </a:r>
+              <a:endParaRPr lang="en-US" dirty="0"/>
+            </a:p>
+          </p:txBody>
+        </p:sp>
+        <p:cxnSp>
+          <p:nvCxnSpPr>
+            <p:cNvPr id="8" name="Straight Connector 7"/>
+            <p:cNvCxnSpPr>
+              <a:stCxn id="3" idx="3"/>
+              <a:endCxn id="4" idx="1"/>
+            </p:cNvCxnSpPr>
+            <p:nvPr/>
+          </p:nvCxnSpPr>
+          <p:spPr>
+            <a:xfrm>
+              <a:off x="3178794" y="3042166"/>
+              <a:ext cx="2722362" cy="0"/>
+            </a:xfrm>
+            <a:prstGeom prst="line">
+              <a:avLst/>
+            </a:prstGeom>
+          </p:spPr>
+          <p:style>
+            <a:lnRef idx="1">
+              <a:schemeClr val="accent1"/>
+            </a:lnRef>
+            <a:fillRef idx="0">
+              <a:schemeClr val="accent1"/>
+            </a:fillRef>
+            <a:effectRef idx="0">
+              <a:schemeClr val="accent1"/>
+            </a:effectRef>
+            <a:fontRef idx="minor">
+              <a:schemeClr val="tx1"/>
+            </a:fontRef>
+          </p:style>
+        </p:cxnSp>
+        <p:cxnSp>
+          <p:nvCxnSpPr>
+            <p:cNvPr id="9" name="Straight Connector 8"/>
+            <p:cNvCxnSpPr>
+              <a:stCxn id="3" idx="3"/>
+              <a:endCxn id="2" idx="2"/>
+            </p:cNvCxnSpPr>
+            <p:nvPr/>
+          </p:nvCxnSpPr>
+          <p:spPr>
+            <a:xfrm flipV="1">
+              <a:off x="3178794" y="2147332"/>
+              <a:ext cx="1044006" cy="894834"/>
+            </a:xfrm>
+            <a:prstGeom prst="line">
+              <a:avLst/>
+            </a:prstGeom>
+          </p:spPr>
+          <p:style>
+            <a:lnRef idx="1">
+              <a:schemeClr val="accent1"/>
+            </a:lnRef>
+            <a:fillRef idx="0">
+              <a:schemeClr val="accent1"/>
+            </a:fillRef>
+            <a:effectRef idx="0">
+              <a:schemeClr val="accent1"/>
+            </a:effectRef>
+            <a:fontRef idx="minor">
+              <a:schemeClr val="tx1"/>
+            </a:fontRef>
+          </p:style>
+        </p:cxnSp>
+        <p:cxnSp>
+          <p:nvCxnSpPr>
+            <p:cNvPr id="12" name="Straight Connector 11"/>
+            <p:cNvCxnSpPr>
+              <a:stCxn id="2" idx="2"/>
+              <a:endCxn id="4" idx="1"/>
+            </p:cNvCxnSpPr>
+            <p:nvPr/>
+          </p:nvCxnSpPr>
+          <p:spPr>
+            <a:xfrm>
+              <a:off x="4222800" y="2147332"/>
+              <a:ext cx="1678356" cy="894834"/>
+            </a:xfrm>
+            <a:prstGeom prst="line">
+              <a:avLst/>
+            </a:prstGeom>
+          </p:spPr>
+          <p:style>
+            <a:lnRef idx="1">
+              <a:schemeClr val="accent1"/>
+            </a:lnRef>
+            <a:fillRef idx="0">
+              <a:schemeClr val="accent1"/>
+            </a:fillRef>
+            <a:effectRef idx="0">
+              <a:schemeClr val="accent1"/>
+            </a:effectRef>
+            <a:fontRef idx="minor">
+              <a:schemeClr val="tx1"/>
+            </a:fontRef>
+          </p:style>
+        </p:cxnSp>
+        <p:cxnSp>
+          <p:nvCxnSpPr>
+            <p:cNvPr id="883" name="Straight Connector 882"/>
+            <p:cNvCxnSpPr>
+              <a:stCxn id="6" idx="0"/>
+              <a:endCxn id="4" idx="1"/>
+            </p:cNvCxnSpPr>
+            <p:nvPr/>
+          </p:nvCxnSpPr>
+          <p:spPr>
+            <a:xfrm flipV="1">
+              <a:off x="4497697" y="3042166"/>
+              <a:ext cx="1403459" cy="1072634"/>
+            </a:xfrm>
+            <a:prstGeom prst="line">
+              <a:avLst/>
+            </a:prstGeom>
+          </p:spPr>
+          <p:style>
+            <a:lnRef idx="1">
+              <a:schemeClr val="accent1"/>
+            </a:lnRef>
+            <a:fillRef idx="0">
+              <a:schemeClr val="accent1"/>
+            </a:fillRef>
+            <a:effectRef idx="0">
+              <a:schemeClr val="accent1"/>
+            </a:effectRef>
+            <a:fontRef idx="minor">
+              <a:schemeClr val="tx1"/>
+            </a:fontRef>
+          </p:style>
+        </p:cxnSp>
+        <p:cxnSp>
+          <p:nvCxnSpPr>
+            <p:cNvPr id="886" name="Straight Connector 885"/>
+            <p:cNvCxnSpPr>
+              <a:stCxn id="6" idx="0"/>
+              <a:endCxn id="3" idx="3"/>
+            </p:cNvCxnSpPr>
+            <p:nvPr/>
+          </p:nvCxnSpPr>
+          <p:spPr>
+            <a:xfrm flipH="1" flipV="1">
+              <a:off x="3178794" y="3042166"/>
+              <a:ext cx="1318903" cy="1072634"/>
+            </a:xfrm>
+            <a:prstGeom prst="line">
+              <a:avLst/>
+            </a:prstGeom>
+          </p:spPr>
+          <p:style>
+            <a:lnRef idx="1">
+              <a:schemeClr val="accent1"/>
+            </a:lnRef>
+            <a:fillRef idx="0">
+              <a:schemeClr val="accent1"/>
+            </a:fillRef>
+            <a:effectRef idx="0">
+              <a:schemeClr val="accent1"/>
+            </a:effectRef>
+            <a:fontRef idx="minor">
+              <a:schemeClr val="tx1"/>
+            </a:fontRef>
+          </p:style>
+        </p:cxnSp>
+        <p:cxnSp>
+          <p:nvCxnSpPr>
+            <p:cNvPr id="895" name="Straight Connector 894"/>
+            <p:cNvCxnSpPr>
+              <a:stCxn id="5" idx="2"/>
+              <a:endCxn id="4" idx="1"/>
+            </p:cNvCxnSpPr>
+            <p:nvPr/>
+          </p:nvCxnSpPr>
+          <p:spPr>
+            <a:xfrm>
+              <a:off x="5901156" y="1958381"/>
+              <a:ext cx="0" cy="1083785"/>
+            </a:xfrm>
+            <a:prstGeom prst="line">
+              <a:avLst/>
+            </a:prstGeom>
+          </p:spPr>
+          <p:style>
+            <a:lnRef idx="1">
+              <a:schemeClr val="accent1"/>
+            </a:lnRef>
+            <a:fillRef idx="0">
+              <a:schemeClr val="accent1"/>
+            </a:fillRef>
+            <a:effectRef idx="0">
+              <a:schemeClr val="accent1"/>
+            </a:effectRef>
+            <a:fontRef idx="minor">
+              <a:schemeClr val="tx1"/>
+            </a:fontRef>
+          </p:style>
+        </p:cxnSp>
+      </p:grpSp>
     </p:spTree>
     <p:extLst>
       <p:ext uri="{BB962C8B-B14F-4D97-AF65-F5344CB8AC3E}">
